--- a/StoryboardingDOCTOR.pptx
+++ b/StoryboardingDOCTOR.pptx
@@ -2,15 +2,15 @@
 <file path=ppt/presentation.xml><?xml version="1.0" encoding="utf-8"?>
 <p:presentation xmlns:a="http://schemas.openxmlformats.org/drawingml/2006/main" xmlns:r="http://schemas.openxmlformats.org/officeDocument/2006/relationships" xmlns:p="http://schemas.openxmlformats.org/presentationml/2006/main" saveSubsetFonts="1">
   <p:sldMasterIdLst>
-    <p:sldMasterId id="2147483648" r:id="rId7"/>
+    <p:sldMasterId id="2147483648" r:id="rId8"/>
   </p:sldMasterIdLst>
   <p:sldIdLst>
-    <p:sldId id="257" r:id="rId8"/>
-    <p:sldId id="258" r:id="rId9"/>
-    <p:sldId id="259" r:id="rId10"/>
-    <p:sldId id="260" r:id="rId11"/>
-    <p:sldId id="261" r:id="rId12"/>
-    <p:sldId id="265" r:id="rId13"/>
+    <p:sldId id="257" r:id="rId9"/>
+    <p:sldId id="258" r:id="rId10"/>
+    <p:sldId id="259" r:id="rId11"/>
+    <p:sldId id="260" r:id="rId12"/>
+    <p:sldId id="261" r:id="rId13"/>
+    <p:sldId id="266" r:id="rId14"/>
   </p:sldIdLst>
   <p:sldSz cx="12192000" cy="6858000"/>
   <p:notesSz cx="6858000" cy="9144000"/>
@@ -109,6 +109,11 @@
       </a:defRPr>
     </a:lvl9pPr>
   </p:defaultTextStyle>
+  <p:extLst>
+    <p:ext uri="{EFAFB233-063F-42B5-8137-9DF3F51BA10A}">
+      <p15:sldGuideLst xmlns:p15="http://schemas.microsoft.com/office/powerpoint/2012/main"/>
+    </p:ext>
+  </p:extLst>
 </p:presentation>
 </file>
 
@@ -261,7 +266,7 @@
           <a:p>
             <a:fld id="{DC5CC786-BB88-4968-BD50-8EF4889F60A6}" type="datetimeFigureOut">
               <a:rPr lang="en-PH" smtClean="0"/>
-              <a:t>8 Mar 2024</a:t>
+              <a:t>11 Mar 2024</a:t>
             </a:fld>
             <a:endParaRPr lang="en-PH"/>
           </a:p>
@@ -461,7 +466,7 @@
           <a:p>
             <a:fld id="{DC5CC786-BB88-4968-BD50-8EF4889F60A6}" type="datetimeFigureOut">
               <a:rPr lang="en-PH" smtClean="0"/>
-              <a:t>8 Mar 2024</a:t>
+              <a:t>11 Mar 2024</a:t>
             </a:fld>
             <a:endParaRPr lang="en-PH"/>
           </a:p>
@@ -671,7 +676,7 @@
           <a:p>
             <a:fld id="{DC5CC786-BB88-4968-BD50-8EF4889F60A6}" type="datetimeFigureOut">
               <a:rPr lang="en-PH" smtClean="0"/>
-              <a:t>8 Mar 2024</a:t>
+              <a:t>11 Mar 2024</a:t>
             </a:fld>
             <a:endParaRPr lang="en-PH"/>
           </a:p>
@@ -871,7 +876,7 @@
           <a:p>
             <a:fld id="{DC5CC786-BB88-4968-BD50-8EF4889F60A6}" type="datetimeFigureOut">
               <a:rPr lang="en-PH" smtClean="0"/>
-              <a:t>8 Mar 2024</a:t>
+              <a:t>11 Mar 2024</a:t>
             </a:fld>
             <a:endParaRPr lang="en-PH"/>
           </a:p>
@@ -1147,7 +1152,7 @@
           <a:p>
             <a:fld id="{DC5CC786-BB88-4968-BD50-8EF4889F60A6}" type="datetimeFigureOut">
               <a:rPr lang="en-PH" smtClean="0"/>
-              <a:t>8 Mar 2024</a:t>
+              <a:t>11 Mar 2024</a:t>
             </a:fld>
             <a:endParaRPr lang="en-PH"/>
           </a:p>
@@ -1415,7 +1420,7 @@
           <a:p>
             <a:fld id="{DC5CC786-BB88-4968-BD50-8EF4889F60A6}" type="datetimeFigureOut">
               <a:rPr lang="en-PH" smtClean="0"/>
-              <a:t>8 Mar 2024</a:t>
+              <a:t>11 Mar 2024</a:t>
             </a:fld>
             <a:endParaRPr lang="en-PH"/>
           </a:p>
@@ -1830,7 +1835,7 @@
           <a:p>
             <a:fld id="{DC5CC786-BB88-4968-BD50-8EF4889F60A6}" type="datetimeFigureOut">
               <a:rPr lang="en-PH" smtClean="0"/>
-              <a:t>8 Mar 2024</a:t>
+              <a:t>11 Mar 2024</a:t>
             </a:fld>
             <a:endParaRPr lang="en-PH"/>
           </a:p>
@@ -1972,7 +1977,7 @@
           <a:p>
             <a:fld id="{DC5CC786-BB88-4968-BD50-8EF4889F60A6}" type="datetimeFigureOut">
               <a:rPr lang="en-PH" smtClean="0"/>
-              <a:t>8 Mar 2024</a:t>
+              <a:t>11 Mar 2024</a:t>
             </a:fld>
             <a:endParaRPr lang="en-PH"/>
           </a:p>
@@ -2085,7 +2090,7 @@
           <a:p>
             <a:fld id="{DC5CC786-BB88-4968-BD50-8EF4889F60A6}" type="datetimeFigureOut">
               <a:rPr lang="en-PH" smtClean="0"/>
-              <a:t>8 Mar 2024</a:t>
+              <a:t>11 Mar 2024</a:t>
             </a:fld>
             <a:endParaRPr lang="en-PH"/>
           </a:p>
@@ -2398,7 +2403,7 @@
           <a:p>
             <a:fld id="{DC5CC786-BB88-4968-BD50-8EF4889F60A6}" type="datetimeFigureOut">
               <a:rPr lang="en-PH" smtClean="0"/>
-              <a:t>8 Mar 2024</a:t>
+              <a:t>11 Mar 2024</a:t>
             </a:fld>
             <a:endParaRPr lang="en-PH"/>
           </a:p>
@@ -2687,7 +2692,7 @@
           <a:p>
             <a:fld id="{DC5CC786-BB88-4968-BD50-8EF4889F60A6}" type="datetimeFigureOut">
               <a:rPr lang="en-PH" smtClean="0"/>
-              <a:t>8 Mar 2024</a:t>
+              <a:t>11 Mar 2024</a:t>
             </a:fld>
             <a:endParaRPr lang="en-PH"/>
           </a:p>
@@ -2930,7 +2935,7 @@
           <a:p>
             <a:fld id="{DC5CC786-BB88-4968-BD50-8EF4889F60A6}" type="datetimeFigureOut">
               <a:rPr lang="en-PH" smtClean="0"/>
-              <a:t>8 Mar 2024</a:t>
+              <a:t>11 Mar 2024</a:t>
             </a:fld>
             <a:endParaRPr lang="en-PH"/>
           </a:p>
@@ -15576,8 +15581,34 @@
                     </a:solidFill>
                     <a:latin typeface="Segoe UI"/>
                   </a:rPr>
-                  <a:t>http://www.gd-opticalclinic.com/homepage</a:t>
+                  <a:t>http://www.gd-opticalclinic.</a:t>
                 </a:r>
+                <a:r>
+                  <a:rPr lang="en-US" sz="1200" kern="0">
+                    <a:solidFill>
+                      <a:schemeClr val="bg1"/>
+                    </a:solidFill>
+                    <a:latin typeface="Segoe UI"/>
+                  </a:rPr>
+                  <a:t>com/</a:t>
+                </a:r>
+                <a:r>
+                  <a:rPr lang="en-US" sz="1200" kern="0">
+                    <a:solidFill>
+                      <a:schemeClr val="bg1">
+                        <a:lumMod val="75000"/>
+                      </a:schemeClr>
+                    </a:solidFill>
+                    <a:latin typeface="Segoe UI"/>
+                  </a:rPr>
+                  <a:t>homepage</a:t>
+                </a:r>
+                <a:endParaRPr lang="en-US" sz="1200" kern="0" dirty="0">
+                  <a:solidFill>
+                    <a:schemeClr val="bg1"/>
+                  </a:solidFill>
+                  <a:latin typeface="Segoe UI"/>
+                </a:endParaRPr>
               </a:p>
             </p:txBody>
           </p:sp>
@@ -16111,12 +16142,976 @@
           </a:p>
         </p:txBody>
       </p:sp>
+      <p:pic>
+        <p:nvPicPr>
+          <p:cNvPr id="96" name="Graphic 95" descr="User">
+            <a:extLst>
+              <a:ext uri="{FF2B5EF4-FFF2-40B4-BE49-F238E27FC236}">
+                <a16:creationId xmlns:a16="http://schemas.microsoft.com/office/drawing/2014/main" id="{8D4671ED-F017-5ABB-A1ED-4F41ACA80094}"/>
+              </a:ext>
+            </a:extLst>
+          </p:cNvPr>
+          <p:cNvPicPr>
+            <a:picLocks noChangeAspect="1"/>
+          </p:cNvPicPr>
+          <p:nvPr/>
+        </p:nvPicPr>
+        <p:blipFill>
+          <a:blip r:embed="rId11">
+            <a:extLst>
+              <a:ext uri="{28A0092B-C50C-407E-A947-70E740481C1C}">
+                <a14:useLocalDpi xmlns:a14="http://schemas.microsoft.com/office/drawing/2010/main" val="0"/>
+              </a:ext>
+              <a:ext uri="{96DAC541-7B7A-43D3-8B79-37D633B846F1}">
+                <asvg:svgBlip xmlns:asvg="http://schemas.microsoft.com/office/drawing/2016/SVG/main" r:embed="rId12"/>
+              </a:ext>
+            </a:extLst>
+          </a:blip>
+          <a:stretch>
+            <a:fillRect/>
+          </a:stretch>
+        </p:blipFill>
+        <p:spPr>
+          <a:xfrm>
+            <a:off x="11022666" y="776994"/>
+            <a:ext cx="309288" cy="308994"/>
+          </a:xfrm>
+          <a:prstGeom prst="rect">
+            <a:avLst/>
+          </a:prstGeom>
+        </p:spPr>
+      </p:pic>
+      <p:pic>
+        <p:nvPicPr>
+          <p:cNvPr id="6" name="Picture 5">
+            <a:extLst>
+              <a:ext uri="{FF2B5EF4-FFF2-40B4-BE49-F238E27FC236}">
+                <a16:creationId xmlns:a16="http://schemas.microsoft.com/office/drawing/2014/main" id="{50CEB0FB-36C3-F649-A150-BBEEC2510E52}"/>
+              </a:ext>
+            </a:extLst>
+          </p:cNvPr>
+          <p:cNvPicPr>
+            <a:picLocks noChangeAspect="1"/>
+          </p:cNvPicPr>
+          <p:nvPr/>
+        </p:nvPicPr>
+        <p:blipFill>
+          <a:blip r:embed="rId13">
+            <a:extLst>
+              <a:ext uri="{28A0092B-C50C-407E-A947-70E740481C1C}">
+                <a14:useLocalDpi xmlns:a14="http://schemas.microsoft.com/office/drawing/2010/main" val="0"/>
+              </a:ext>
+            </a:extLst>
+          </a:blip>
+          <a:srcRect/>
+          <a:stretch/>
+        </p:blipFill>
+        <p:spPr>
+          <a:xfrm>
+            <a:off x="78315" y="1259229"/>
+            <a:ext cx="12000206" cy="5524841"/>
+          </a:xfrm>
+          <a:prstGeom prst="rect">
+            <a:avLst/>
+          </a:prstGeom>
+        </p:spPr>
+      </p:pic>
+      <p:cxnSp>
+        <p:nvCxnSpPr>
+          <p:cNvPr id="23" name="Straight Connector 22">
+            <a:extLst>
+              <a:ext uri="{FF2B5EF4-FFF2-40B4-BE49-F238E27FC236}">
+                <a16:creationId xmlns:a16="http://schemas.microsoft.com/office/drawing/2014/main" id="{26EE522D-F16F-0864-D92E-52A624487827}"/>
+              </a:ext>
+            </a:extLst>
+          </p:cNvPr>
+          <p:cNvCxnSpPr>
+            <a:cxnSpLocks/>
+          </p:cNvCxnSpPr>
+          <p:nvPr/>
+        </p:nvCxnSpPr>
+        <p:spPr>
+          <a:xfrm>
+            <a:off x="1771650" y="1259229"/>
+            <a:ext cx="0" cy="5519697"/>
+          </a:xfrm>
+          <a:prstGeom prst="line">
+            <a:avLst/>
+          </a:prstGeom>
+        </p:spPr>
+        <p:style>
+          <a:lnRef idx="1">
+            <a:schemeClr val="accent3"/>
+          </a:lnRef>
+          <a:fillRef idx="0">
+            <a:schemeClr val="accent3"/>
+          </a:fillRef>
+          <a:effectRef idx="0">
+            <a:schemeClr val="accent3"/>
+          </a:effectRef>
+          <a:fontRef idx="minor">
+            <a:schemeClr val="tx1"/>
+          </a:fontRef>
+        </p:style>
+      </p:cxnSp>
       <p:sp>
         <p:nvSpPr>
-          <p:cNvPr id="91" name="TextBox 90">
-            <a:extLst>
-              <a:ext uri="{FF2B5EF4-FFF2-40B4-BE49-F238E27FC236}">
-                <a16:creationId xmlns:a16="http://schemas.microsoft.com/office/drawing/2014/main" id="{65DC2F73-3D4E-1CDF-7D95-76B423F3A417}"/>
+          <p:cNvPr id="83" name="TextBox 82">
+            <a:extLst>
+              <a:ext uri="{FF2B5EF4-FFF2-40B4-BE49-F238E27FC236}">
+                <a16:creationId xmlns:a16="http://schemas.microsoft.com/office/drawing/2014/main" id="{B1B2AAE7-AD1F-DD7A-F7C2-77F35E2776D4}"/>
+              </a:ext>
+            </a:extLst>
+          </p:cNvPr>
+          <p:cNvSpPr txBox="1"/>
+          <p:nvPr/>
+        </p:nvSpPr>
+        <p:spPr>
+          <a:xfrm>
+            <a:off x="588970" y="6340941"/>
+            <a:ext cx="979755" cy="369332"/>
+          </a:xfrm>
+          <a:prstGeom prst="rect">
+            <a:avLst/>
+          </a:prstGeom>
+          <a:noFill/>
+        </p:spPr>
+        <p:txBody>
+          <a:bodyPr wrap="none" rtlCol="0">
+            <a:spAutoFit/>
+          </a:bodyPr>
+          <a:lstStyle/>
+          <a:p>
+            <a:r>
+              <a:rPr lang="en-US" dirty="0">
+                <a:latin typeface="Adobe Hebrew" panose="02040503050201020203" pitchFamily="18" charset="-79"/>
+                <a:ea typeface="Adobe Gothic Std B" panose="020B0800000000000000" pitchFamily="34" charset="-128"/>
+                <a:cs typeface="Adobe Hebrew" panose="02040503050201020203" pitchFamily="18" charset="-79"/>
+              </a:rPr>
+              <a:t>Log Out</a:t>
+            </a:r>
+            <a:endParaRPr lang="en-PH" dirty="0">
+              <a:latin typeface="Adobe Hebrew" panose="02040503050201020203" pitchFamily="18" charset="-79"/>
+              <a:ea typeface="Adobe Gothic Std B" panose="020B0800000000000000" pitchFamily="34" charset="-128"/>
+              <a:cs typeface="Adobe Hebrew" panose="02040503050201020203" pitchFamily="18" charset="-79"/>
+            </a:endParaRPr>
+          </a:p>
+        </p:txBody>
+      </p:sp>
+      <p:pic>
+        <p:nvPicPr>
+          <p:cNvPr id="32" name="Graphic 31" descr="Power">
+            <a:extLst>
+              <a:ext uri="{FF2B5EF4-FFF2-40B4-BE49-F238E27FC236}">
+                <a16:creationId xmlns:a16="http://schemas.microsoft.com/office/drawing/2014/main" id="{5DD65011-9825-699D-74F7-B7B6AA912C43}"/>
+              </a:ext>
+            </a:extLst>
+          </p:cNvPr>
+          <p:cNvPicPr>
+            <a:picLocks noChangeAspect="1"/>
+          </p:cNvPicPr>
+          <p:nvPr/>
+        </p:nvPicPr>
+        <p:blipFill>
+          <a:blip r:embed="rId14">
+            <a:extLst>
+              <a:ext uri="{28A0092B-C50C-407E-A947-70E740481C1C}">
+                <a14:useLocalDpi xmlns:a14="http://schemas.microsoft.com/office/drawing/2010/main" val="0"/>
+              </a:ext>
+              <a:ext uri="{96DAC541-7B7A-43D3-8B79-37D633B846F1}">
+                <asvg:svgBlip xmlns:asvg="http://schemas.microsoft.com/office/drawing/2016/SVG/main" r:embed="rId15"/>
+              </a:ext>
+            </a:extLst>
+          </a:blip>
+          <a:stretch>
+            <a:fillRect/>
+          </a:stretch>
+        </p:blipFill>
+        <p:spPr>
+          <a:xfrm>
+            <a:off x="273121" y="6343926"/>
+            <a:ext cx="315384" cy="315384"/>
+          </a:xfrm>
+          <a:prstGeom prst="rect">
+            <a:avLst/>
+          </a:prstGeom>
+        </p:spPr>
+      </p:pic>
+      <p:sp>
+        <p:nvSpPr>
+          <p:cNvPr id="85" name="Rectangle 84">
+            <a:extLst>
+              <a:ext uri="{FF2B5EF4-FFF2-40B4-BE49-F238E27FC236}">
+                <a16:creationId xmlns:a16="http://schemas.microsoft.com/office/drawing/2014/main" id="{B1257531-8287-AA46-D21E-7BA9B1573ED4}"/>
+              </a:ext>
+            </a:extLst>
+          </p:cNvPr>
+          <p:cNvSpPr/>
+          <p:nvPr/>
+        </p:nvSpPr>
+        <p:spPr>
+          <a:xfrm>
+            <a:off x="73840" y="2045840"/>
+            <a:ext cx="1693248" cy="524447"/>
+          </a:xfrm>
+          <a:prstGeom prst="rect">
+            <a:avLst/>
+          </a:prstGeom>
+          <a:noFill/>
+          <a:ln>
+            <a:solidFill>
+              <a:schemeClr val="bg2">
+                <a:lumMod val="75000"/>
+              </a:schemeClr>
+            </a:solidFill>
+          </a:ln>
+        </p:spPr>
+        <p:style>
+          <a:lnRef idx="2">
+            <a:schemeClr val="accent5">
+              <a:shade val="50000"/>
+            </a:schemeClr>
+          </a:lnRef>
+          <a:fillRef idx="1">
+            <a:schemeClr val="accent5"/>
+          </a:fillRef>
+          <a:effectRef idx="0">
+            <a:schemeClr val="accent5"/>
+          </a:effectRef>
+          <a:fontRef idx="minor">
+            <a:schemeClr val="lt1"/>
+          </a:fontRef>
+        </p:style>
+        <p:txBody>
+          <a:bodyPr rtlCol="0" anchor="ctr"/>
+          <a:lstStyle/>
+          <a:p>
+            <a:pPr algn="ctr"/>
+            <a:endParaRPr lang="en-PH"/>
+          </a:p>
+        </p:txBody>
+      </p:sp>
+      <p:sp>
+        <p:nvSpPr>
+          <p:cNvPr id="80" name="TextBox 79">
+            <a:extLst>
+              <a:ext uri="{FF2B5EF4-FFF2-40B4-BE49-F238E27FC236}">
+                <a16:creationId xmlns:a16="http://schemas.microsoft.com/office/drawing/2014/main" id="{C91DD33F-6652-F4B5-66A0-293241585688}"/>
+              </a:ext>
+            </a:extLst>
+          </p:cNvPr>
+          <p:cNvSpPr txBox="1"/>
+          <p:nvPr/>
+        </p:nvSpPr>
+        <p:spPr>
+          <a:xfrm>
+            <a:off x="85027" y="2144650"/>
+            <a:ext cx="1633781" cy="369332"/>
+          </a:xfrm>
+          <a:prstGeom prst="rect">
+            <a:avLst/>
+          </a:prstGeom>
+          <a:noFill/>
+        </p:spPr>
+        <p:txBody>
+          <a:bodyPr wrap="none" rtlCol="0">
+            <a:spAutoFit/>
+          </a:bodyPr>
+          <a:lstStyle/>
+          <a:p>
+            <a:r>
+              <a:rPr lang="en-US" dirty="0">
+                <a:latin typeface="Adobe Gothic Std B" panose="020B0800000000000000" pitchFamily="34" charset="-128"/>
+                <a:ea typeface="Adobe Gothic Std B" panose="020B0800000000000000" pitchFamily="34" charset="-128"/>
+              </a:rPr>
+              <a:t>View Patients</a:t>
+            </a:r>
+            <a:endParaRPr lang="en-PH" dirty="0">
+              <a:latin typeface="Adobe Gothic Std B" panose="020B0800000000000000" pitchFamily="34" charset="-128"/>
+              <a:ea typeface="Adobe Gothic Std B" panose="020B0800000000000000" pitchFamily="34" charset="-128"/>
+            </a:endParaRPr>
+          </a:p>
+        </p:txBody>
+      </p:sp>
+      <p:sp>
+        <p:nvSpPr>
+          <p:cNvPr id="82" name="TextBox 81">
+            <a:extLst>
+              <a:ext uri="{FF2B5EF4-FFF2-40B4-BE49-F238E27FC236}">
+                <a16:creationId xmlns:a16="http://schemas.microsoft.com/office/drawing/2014/main" id="{7E02B501-8F44-E83D-4E22-B5C0EB0E5418}"/>
+              </a:ext>
+            </a:extLst>
+          </p:cNvPr>
+          <p:cNvSpPr txBox="1"/>
+          <p:nvPr/>
+        </p:nvSpPr>
+        <p:spPr>
+          <a:xfrm>
+            <a:off x="140296" y="2854343"/>
+            <a:ext cx="1502334" cy="369332"/>
+          </a:xfrm>
+          <a:prstGeom prst="rect">
+            <a:avLst/>
+          </a:prstGeom>
+          <a:noFill/>
+        </p:spPr>
+        <p:txBody>
+          <a:bodyPr wrap="none" rtlCol="0">
+            <a:spAutoFit/>
+          </a:bodyPr>
+          <a:lstStyle/>
+          <a:p>
+            <a:r>
+              <a:rPr lang="en-US" dirty="0">
+                <a:latin typeface="Adobe Gothic Std B" panose="020B0800000000000000" pitchFamily="34" charset="-128"/>
+                <a:ea typeface="Adobe Gothic Std B" panose="020B0800000000000000" pitchFamily="34" charset="-128"/>
+              </a:rPr>
+              <a:t>Certification</a:t>
+            </a:r>
+            <a:endParaRPr lang="en-PH" dirty="0">
+              <a:latin typeface="Adobe Gothic Std B" panose="020B0800000000000000" pitchFamily="34" charset="-128"/>
+              <a:ea typeface="Adobe Gothic Std B" panose="020B0800000000000000" pitchFamily="34" charset="-128"/>
+            </a:endParaRPr>
+          </a:p>
+        </p:txBody>
+      </p:sp>
+      <p:sp>
+        <p:nvSpPr>
+          <p:cNvPr id="86" name="Rectangle 85">
+            <a:extLst>
+              <a:ext uri="{FF2B5EF4-FFF2-40B4-BE49-F238E27FC236}">
+                <a16:creationId xmlns:a16="http://schemas.microsoft.com/office/drawing/2014/main" id="{208B5079-3886-E1F8-0D05-19305BC2FAE5}"/>
+              </a:ext>
+            </a:extLst>
+          </p:cNvPr>
+          <p:cNvSpPr/>
+          <p:nvPr/>
+        </p:nvSpPr>
+        <p:spPr>
+          <a:xfrm>
+            <a:off x="76122" y="2758112"/>
+            <a:ext cx="1693247" cy="524447"/>
+          </a:xfrm>
+          <a:prstGeom prst="rect">
+            <a:avLst/>
+          </a:prstGeom>
+          <a:noFill/>
+          <a:ln>
+            <a:solidFill>
+              <a:schemeClr val="bg2">
+                <a:lumMod val="75000"/>
+              </a:schemeClr>
+            </a:solidFill>
+          </a:ln>
+        </p:spPr>
+        <p:style>
+          <a:lnRef idx="2">
+            <a:schemeClr val="accent5">
+              <a:shade val="50000"/>
+            </a:schemeClr>
+          </a:lnRef>
+          <a:fillRef idx="1">
+            <a:schemeClr val="accent5"/>
+          </a:fillRef>
+          <a:effectRef idx="0">
+            <a:schemeClr val="accent5"/>
+          </a:effectRef>
+          <a:fontRef idx="minor">
+            <a:schemeClr val="lt1"/>
+          </a:fontRef>
+        </p:style>
+        <p:txBody>
+          <a:bodyPr rtlCol="0" anchor="ctr"/>
+          <a:lstStyle/>
+          <a:p>
+            <a:pPr algn="ctr"/>
+            <a:endParaRPr lang="en-PH"/>
+          </a:p>
+        </p:txBody>
+      </p:sp>
+      <p:sp>
+        <p:nvSpPr>
+          <p:cNvPr id="89" name="Rectangle 88">
+            <a:extLst>
+              <a:ext uri="{FF2B5EF4-FFF2-40B4-BE49-F238E27FC236}">
+                <a16:creationId xmlns:a16="http://schemas.microsoft.com/office/drawing/2014/main" id="{97FBE3C1-034A-9C5F-2CE8-79C3E92AA614}"/>
+              </a:ext>
+            </a:extLst>
+          </p:cNvPr>
+          <p:cNvSpPr/>
+          <p:nvPr/>
+        </p:nvSpPr>
+        <p:spPr>
+          <a:xfrm>
+            <a:off x="73841" y="6251715"/>
+            <a:ext cx="1693247" cy="524447"/>
+          </a:xfrm>
+          <a:prstGeom prst="rect">
+            <a:avLst/>
+          </a:prstGeom>
+          <a:noFill/>
+          <a:ln>
+            <a:solidFill>
+              <a:schemeClr val="bg2">
+                <a:lumMod val="75000"/>
+              </a:schemeClr>
+            </a:solidFill>
+          </a:ln>
+        </p:spPr>
+        <p:style>
+          <a:lnRef idx="2">
+            <a:schemeClr val="accent5">
+              <a:shade val="50000"/>
+            </a:schemeClr>
+          </a:lnRef>
+          <a:fillRef idx="1">
+            <a:schemeClr val="accent5"/>
+          </a:fillRef>
+          <a:effectRef idx="0">
+            <a:schemeClr val="accent5"/>
+          </a:effectRef>
+          <a:fontRef idx="minor">
+            <a:schemeClr val="lt1"/>
+          </a:fontRef>
+        </p:style>
+        <p:txBody>
+          <a:bodyPr rtlCol="0" anchor="ctr"/>
+          <a:lstStyle/>
+          <a:p>
+            <a:pPr algn="ctr"/>
+            <a:endParaRPr lang="en-PH"/>
+          </a:p>
+        </p:txBody>
+      </p:sp>
+      <p:sp>
+        <p:nvSpPr>
+          <p:cNvPr id="98" name="Rectangle 97">
+            <a:extLst>
+              <a:ext uri="{FF2B5EF4-FFF2-40B4-BE49-F238E27FC236}">
+                <a16:creationId xmlns:a16="http://schemas.microsoft.com/office/drawing/2014/main" id="{4A776F10-BACA-1ABD-DA26-619EB021DDC3}"/>
+              </a:ext>
+            </a:extLst>
+          </p:cNvPr>
+          <p:cNvSpPr/>
+          <p:nvPr/>
+        </p:nvSpPr>
+        <p:spPr>
+          <a:xfrm>
+            <a:off x="78227" y="1340870"/>
+            <a:ext cx="1693247" cy="524447"/>
+          </a:xfrm>
+          <a:prstGeom prst="rect">
+            <a:avLst/>
+          </a:prstGeom>
+          <a:solidFill>
+            <a:srgbClr val="01ADF0"/>
+          </a:solidFill>
+        </p:spPr>
+        <p:style>
+          <a:lnRef idx="2">
+            <a:schemeClr val="accent5">
+              <a:shade val="50000"/>
+            </a:schemeClr>
+          </a:lnRef>
+          <a:fillRef idx="1">
+            <a:schemeClr val="accent5"/>
+          </a:fillRef>
+          <a:effectRef idx="0">
+            <a:schemeClr val="accent5"/>
+          </a:effectRef>
+          <a:fontRef idx="minor">
+            <a:schemeClr val="lt1"/>
+          </a:fontRef>
+        </p:style>
+        <p:txBody>
+          <a:bodyPr rtlCol="0" anchor="ctr"/>
+          <a:lstStyle/>
+          <a:p>
+            <a:pPr algn="ctr"/>
+            <a:endParaRPr lang="en-PH"/>
+          </a:p>
+        </p:txBody>
+      </p:sp>
+      <p:sp>
+        <p:nvSpPr>
+          <p:cNvPr id="99" name="TextBox 98">
+            <a:extLst>
+              <a:ext uri="{FF2B5EF4-FFF2-40B4-BE49-F238E27FC236}">
+                <a16:creationId xmlns:a16="http://schemas.microsoft.com/office/drawing/2014/main" id="{2AC5A076-993C-13A0-AA0C-6649EDB941BD}"/>
+              </a:ext>
+            </a:extLst>
+          </p:cNvPr>
+          <p:cNvSpPr txBox="1"/>
+          <p:nvPr/>
+        </p:nvSpPr>
+        <p:spPr>
+          <a:xfrm>
+            <a:off x="510738" y="1441350"/>
+            <a:ext cx="819455" cy="369332"/>
+          </a:xfrm>
+          <a:prstGeom prst="rect">
+            <a:avLst/>
+          </a:prstGeom>
+          <a:noFill/>
+        </p:spPr>
+        <p:txBody>
+          <a:bodyPr wrap="none" rtlCol="0">
+            <a:spAutoFit/>
+          </a:bodyPr>
+          <a:lstStyle/>
+          <a:p>
+            <a:r>
+              <a:rPr lang="en-US" dirty="0">
+                <a:latin typeface="Adobe Gothic Std B" panose="020B0800000000000000" pitchFamily="34" charset="-128"/>
+                <a:ea typeface="Adobe Gothic Std B" panose="020B0800000000000000" pitchFamily="34" charset="-128"/>
+              </a:rPr>
+              <a:t>Home</a:t>
+            </a:r>
+            <a:endParaRPr lang="en-PH" dirty="0">
+              <a:latin typeface="Adobe Gothic Std B" panose="020B0800000000000000" pitchFamily="34" charset="-128"/>
+              <a:ea typeface="Adobe Gothic Std B" panose="020B0800000000000000" pitchFamily="34" charset="-128"/>
+            </a:endParaRPr>
+          </a:p>
+        </p:txBody>
+      </p:sp>
+      <p:sp>
+        <p:nvSpPr>
+          <p:cNvPr id="2" name="Rectangle: Rounded Corners 1">
+            <a:extLst>
+              <a:ext uri="{FF2B5EF4-FFF2-40B4-BE49-F238E27FC236}">
+                <a16:creationId xmlns:a16="http://schemas.microsoft.com/office/drawing/2014/main" id="{C7D583AE-322B-1511-FF81-13E72F0BA4A1}"/>
+              </a:ext>
+            </a:extLst>
+          </p:cNvPr>
+          <p:cNvSpPr/>
+          <p:nvPr/>
+        </p:nvSpPr>
+        <p:spPr>
+          <a:xfrm>
+            <a:off x="1908107" y="1525847"/>
+            <a:ext cx="2189526" cy="1249960"/>
+          </a:xfrm>
+          <a:prstGeom prst="roundRect">
+            <a:avLst/>
+          </a:prstGeom>
+          <a:gradFill flip="none" rotWithShape="1">
+            <a:gsLst>
+              <a:gs pos="0">
+                <a:srgbClr val="00B0F0">
+                  <a:shade val="30000"/>
+                  <a:satMod val="115000"/>
+                </a:srgbClr>
+              </a:gs>
+              <a:gs pos="50000">
+                <a:srgbClr val="00B0F0">
+                  <a:shade val="67500"/>
+                  <a:satMod val="115000"/>
+                </a:srgbClr>
+              </a:gs>
+              <a:gs pos="100000">
+                <a:srgbClr val="00B0F0">
+                  <a:shade val="100000"/>
+                  <a:satMod val="115000"/>
+                </a:srgbClr>
+              </a:gs>
+            </a:gsLst>
+            <a:lin ang="8100000" scaled="1"/>
+            <a:tileRect/>
+          </a:gradFill>
+          <a:ln>
+            <a:noFill/>
+          </a:ln>
+        </p:spPr>
+        <p:style>
+          <a:lnRef idx="2">
+            <a:schemeClr val="accent1">
+              <a:shade val="50000"/>
+            </a:schemeClr>
+          </a:lnRef>
+          <a:fillRef idx="1">
+            <a:schemeClr val="accent1"/>
+          </a:fillRef>
+          <a:effectRef idx="0">
+            <a:schemeClr val="accent1"/>
+          </a:effectRef>
+          <a:fontRef idx="minor">
+            <a:schemeClr val="lt1"/>
+          </a:fontRef>
+        </p:style>
+        <p:txBody>
+          <a:bodyPr rtlCol="0" anchor="ctr"/>
+          <a:lstStyle/>
+          <a:p>
+            <a:pPr algn="ctr"/>
+            <a:endParaRPr lang="en-PH"/>
+          </a:p>
+        </p:txBody>
+      </p:sp>
+      <p:sp>
+        <p:nvSpPr>
+          <p:cNvPr id="3" name="TextBox 2">
+            <a:extLst>
+              <a:ext uri="{FF2B5EF4-FFF2-40B4-BE49-F238E27FC236}">
+                <a16:creationId xmlns:a16="http://schemas.microsoft.com/office/drawing/2014/main" id="{ED8656DB-A3A6-463E-0896-1159B49BCAC8}"/>
+              </a:ext>
+            </a:extLst>
+          </p:cNvPr>
+          <p:cNvSpPr txBox="1"/>
+          <p:nvPr/>
+        </p:nvSpPr>
+        <p:spPr>
+          <a:xfrm>
+            <a:off x="2261896" y="1636110"/>
+            <a:ext cx="1711302" cy="400110"/>
+          </a:xfrm>
+          <a:prstGeom prst="rect">
+            <a:avLst/>
+          </a:prstGeom>
+          <a:noFill/>
+        </p:spPr>
+        <p:txBody>
+          <a:bodyPr wrap="none" rtlCol="0">
+            <a:spAutoFit/>
+          </a:bodyPr>
+          <a:lstStyle/>
+          <a:p>
+            <a:r>
+              <a:rPr lang="en-US" sz="2000" dirty="0">
+                <a:ln w="3175">
+                  <a:noFill/>
+                </a:ln>
+                <a:solidFill>
+                  <a:schemeClr val="bg1"/>
+                </a:solidFill>
+                <a:latin typeface="Adobe Garamond Pro Bold" panose="02020702060506020403" pitchFamily="18" charset="0"/>
+              </a:rPr>
+              <a:t>Patients Today</a:t>
+            </a:r>
+            <a:endParaRPr lang="en-PH" sz="2000" dirty="0">
+              <a:ln w="3175">
+                <a:noFill/>
+              </a:ln>
+              <a:solidFill>
+                <a:schemeClr val="bg1"/>
+              </a:solidFill>
+              <a:latin typeface="Adobe Garamond Pro Bold" panose="02020702060506020403" pitchFamily="18" charset="0"/>
+            </a:endParaRPr>
+          </a:p>
+        </p:txBody>
+      </p:sp>
+      <p:pic>
+        <p:nvPicPr>
+          <p:cNvPr id="68" name="Graphic 67" descr="User">
+            <a:extLst>
+              <a:ext uri="{FF2B5EF4-FFF2-40B4-BE49-F238E27FC236}">
+                <a16:creationId xmlns:a16="http://schemas.microsoft.com/office/drawing/2014/main" id="{CE4F983D-4E5F-2BA5-738C-820404059A89}"/>
+              </a:ext>
+            </a:extLst>
+          </p:cNvPr>
+          <p:cNvPicPr>
+            <a:picLocks noChangeAspect="1"/>
+          </p:cNvPicPr>
+          <p:nvPr/>
+        </p:nvPicPr>
+        <p:blipFill>
+          <a:blip r:embed="rId16">
+            <a:extLst>
+              <a:ext uri="{28A0092B-C50C-407E-A947-70E740481C1C}">
+                <a14:useLocalDpi xmlns:a14="http://schemas.microsoft.com/office/drawing/2010/main" val="0"/>
+              </a:ext>
+              <a:ext uri="{96DAC541-7B7A-43D3-8B79-37D633B846F1}">
+                <asvg:svgBlip xmlns:asvg="http://schemas.microsoft.com/office/drawing/2016/SVG/main" r:embed="rId17"/>
+              </a:ext>
+            </a:extLst>
+          </a:blip>
+          <a:stretch>
+            <a:fillRect/>
+          </a:stretch>
+        </p:blipFill>
+        <p:spPr>
+          <a:xfrm>
+            <a:off x="1952608" y="1651837"/>
+            <a:ext cx="309288" cy="308994"/>
+          </a:xfrm>
+          <a:prstGeom prst="rect">
+            <a:avLst/>
+          </a:prstGeom>
+        </p:spPr>
+      </p:pic>
+      <p:sp>
+        <p:nvSpPr>
+          <p:cNvPr id="69" name="TextBox 68">
+            <a:extLst>
+              <a:ext uri="{FF2B5EF4-FFF2-40B4-BE49-F238E27FC236}">
+                <a16:creationId xmlns:a16="http://schemas.microsoft.com/office/drawing/2014/main" id="{92BD6F84-DFB9-EA77-1A44-196483FD5274}"/>
+              </a:ext>
+            </a:extLst>
+          </p:cNvPr>
+          <p:cNvSpPr txBox="1"/>
+          <p:nvPr/>
+        </p:nvSpPr>
+        <p:spPr>
+          <a:xfrm>
+            <a:off x="3527959" y="2298310"/>
+            <a:ext cx="450764" cy="400110"/>
+          </a:xfrm>
+          <a:prstGeom prst="rect">
+            <a:avLst/>
+          </a:prstGeom>
+          <a:noFill/>
+        </p:spPr>
+        <p:txBody>
+          <a:bodyPr wrap="none" rtlCol="0">
+            <a:spAutoFit/>
+          </a:bodyPr>
+          <a:lstStyle/>
+          <a:p>
+            <a:r>
+              <a:rPr lang="en-US" sz="2000" dirty="0">
+                <a:ln w="3175">
+                  <a:noFill/>
+                </a:ln>
+                <a:solidFill>
+                  <a:schemeClr val="bg1"/>
+                </a:solidFill>
+                <a:latin typeface="Adobe Garamond Pro Bold" panose="02020702060506020403" pitchFamily="18" charset="0"/>
+              </a:rPr>
+              <a:t>10</a:t>
+            </a:r>
+            <a:endParaRPr lang="en-PH" sz="2000" dirty="0">
+              <a:ln w="3175">
+                <a:noFill/>
+              </a:ln>
+              <a:solidFill>
+                <a:schemeClr val="bg1"/>
+              </a:solidFill>
+              <a:latin typeface="Adobe Garamond Pro Bold" panose="02020702060506020403" pitchFamily="18" charset="0"/>
+            </a:endParaRPr>
+          </a:p>
+        </p:txBody>
+      </p:sp>
+      <p:sp>
+        <p:nvSpPr>
+          <p:cNvPr id="71" name="Rectangle: Rounded Corners 70">
+            <a:extLst>
+              <a:ext uri="{FF2B5EF4-FFF2-40B4-BE49-F238E27FC236}">
+                <a16:creationId xmlns:a16="http://schemas.microsoft.com/office/drawing/2014/main" id="{36843DA9-82B9-5AA5-BD0F-EAB657DB9065}"/>
+              </a:ext>
+            </a:extLst>
+          </p:cNvPr>
+          <p:cNvSpPr/>
+          <p:nvPr/>
+        </p:nvSpPr>
+        <p:spPr>
+          <a:xfrm>
+            <a:off x="4406921" y="1525847"/>
+            <a:ext cx="2189526" cy="1249960"/>
+          </a:xfrm>
+          <a:prstGeom prst="roundRect">
+            <a:avLst/>
+          </a:prstGeom>
+          <a:gradFill flip="none" rotWithShape="1">
+            <a:gsLst>
+              <a:gs pos="0">
+                <a:srgbClr val="00B050">
+                  <a:shade val="30000"/>
+                  <a:satMod val="115000"/>
+                </a:srgbClr>
+              </a:gs>
+              <a:gs pos="50000">
+                <a:srgbClr val="00B050">
+                  <a:shade val="67500"/>
+                  <a:satMod val="115000"/>
+                </a:srgbClr>
+              </a:gs>
+              <a:gs pos="100000">
+                <a:srgbClr val="00B050">
+                  <a:shade val="100000"/>
+                  <a:satMod val="115000"/>
+                </a:srgbClr>
+              </a:gs>
+            </a:gsLst>
+            <a:lin ang="8100000" scaled="1"/>
+            <a:tileRect/>
+          </a:gradFill>
+          <a:ln>
+            <a:noFill/>
+          </a:ln>
+        </p:spPr>
+        <p:style>
+          <a:lnRef idx="2">
+            <a:schemeClr val="accent1">
+              <a:shade val="50000"/>
+            </a:schemeClr>
+          </a:lnRef>
+          <a:fillRef idx="1">
+            <a:schemeClr val="accent1"/>
+          </a:fillRef>
+          <a:effectRef idx="0">
+            <a:schemeClr val="accent1"/>
+          </a:effectRef>
+          <a:fontRef idx="minor">
+            <a:schemeClr val="lt1"/>
+          </a:fontRef>
+        </p:style>
+        <p:txBody>
+          <a:bodyPr rtlCol="0" anchor="ctr"/>
+          <a:lstStyle/>
+          <a:p>
+            <a:pPr algn="ctr"/>
+            <a:endParaRPr lang="en-PH"/>
+          </a:p>
+        </p:txBody>
+      </p:sp>
+      <p:sp>
+        <p:nvSpPr>
+          <p:cNvPr id="73" name="TextBox 72">
+            <a:extLst>
+              <a:ext uri="{FF2B5EF4-FFF2-40B4-BE49-F238E27FC236}">
+                <a16:creationId xmlns:a16="http://schemas.microsoft.com/office/drawing/2014/main" id="{ADD535E4-E346-E621-7149-4E9A5B786741}"/>
+              </a:ext>
+            </a:extLst>
+          </p:cNvPr>
+          <p:cNvSpPr txBox="1"/>
+          <p:nvPr/>
+        </p:nvSpPr>
+        <p:spPr>
+          <a:xfrm>
+            <a:off x="4782261" y="1626016"/>
+            <a:ext cx="1616340" cy="400110"/>
+          </a:xfrm>
+          <a:prstGeom prst="rect">
+            <a:avLst/>
+          </a:prstGeom>
+          <a:noFill/>
+        </p:spPr>
+        <p:txBody>
+          <a:bodyPr wrap="none" rtlCol="0">
+            <a:spAutoFit/>
+          </a:bodyPr>
+          <a:lstStyle/>
+          <a:p>
+            <a:r>
+              <a:rPr lang="en-US" sz="2000" dirty="0">
+                <a:ln w="3175">
+                  <a:noFill/>
+                </a:ln>
+                <a:solidFill>
+                  <a:schemeClr val="bg1"/>
+                </a:solidFill>
+                <a:latin typeface="Adobe Garamond Pro Bold" panose="02020702060506020403" pitchFamily="18" charset="0"/>
+              </a:rPr>
+              <a:t>Total Patients</a:t>
+            </a:r>
+            <a:endParaRPr lang="en-PH" sz="2000" dirty="0">
+              <a:ln w="3175">
+                <a:noFill/>
+              </a:ln>
+              <a:solidFill>
+                <a:schemeClr val="bg1"/>
+              </a:solidFill>
+              <a:latin typeface="Adobe Garamond Pro Bold" panose="02020702060506020403" pitchFamily="18" charset="0"/>
+            </a:endParaRPr>
+          </a:p>
+        </p:txBody>
+      </p:sp>
+      <p:sp>
+        <p:nvSpPr>
+          <p:cNvPr id="75" name="TextBox 74">
+            <a:extLst>
+              <a:ext uri="{FF2B5EF4-FFF2-40B4-BE49-F238E27FC236}">
+                <a16:creationId xmlns:a16="http://schemas.microsoft.com/office/drawing/2014/main" id="{DE961C30-43FD-819F-0ABF-7DB03A0893EC}"/>
+              </a:ext>
+            </a:extLst>
+          </p:cNvPr>
+          <p:cNvSpPr txBox="1"/>
+          <p:nvPr/>
+        </p:nvSpPr>
+        <p:spPr>
+          <a:xfrm>
+            <a:off x="6050455" y="2298310"/>
+            <a:ext cx="450764" cy="400110"/>
+          </a:xfrm>
+          <a:prstGeom prst="rect">
+            <a:avLst/>
+          </a:prstGeom>
+          <a:noFill/>
+        </p:spPr>
+        <p:txBody>
+          <a:bodyPr wrap="none" rtlCol="0">
+            <a:spAutoFit/>
+          </a:bodyPr>
+          <a:lstStyle/>
+          <a:p>
+            <a:r>
+              <a:rPr lang="en-US" sz="2000" dirty="0">
+                <a:ln w="3175">
+                  <a:noFill/>
+                </a:ln>
+                <a:solidFill>
+                  <a:schemeClr val="bg1"/>
+                </a:solidFill>
+                <a:latin typeface="Adobe Garamond Pro Bold" panose="02020702060506020403" pitchFamily="18" charset="0"/>
+              </a:rPr>
+              <a:t>15</a:t>
+            </a:r>
+            <a:endParaRPr lang="en-PH" sz="2000" dirty="0">
+              <a:ln w="3175">
+                <a:noFill/>
+              </a:ln>
+              <a:solidFill>
+                <a:schemeClr val="bg1"/>
+              </a:solidFill>
+              <a:latin typeface="Adobe Garamond Pro Bold" panose="02020702060506020403" pitchFamily="18" charset="0"/>
+            </a:endParaRPr>
+          </a:p>
+        </p:txBody>
+      </p:sp>
+      <p:pic>
+        <p:nvPicPr>
+          <p:cNvPr id="7" name="Graphic 6" descr="Bar chart">
+            <a:extLst>
+              <a:ext uri="{FF2B5EF4-FFF2-40B4-BE49-F238E27FC236}">
+                <a16:creationId xmlns:a16="http://schemas.microsoft.com/office/drawing/2014/main" id="{F1290CD1-FFA8-7ECE-2D64-26312B85270D}"/>
+              </a:ext>
+            </a:extLst>
+          </p:cNvPr>
+          <p:cNvPicPr>
+            <a:picLocks noChangeAspect="1"/>
+          </p:cNvPicPr>
+          <p:nvPr/>
+        </p:nvPicPr>
+        <p:blipFill>
+          <a:blip r:embed="rId18">
+            <a:extLst>
+              <a:ext uri="{28A0092B-C50C-407E-A947-70E740481C1C}">
+                <a14:useLocalDpi xmlns:a14="http://schemas.microsoft.com/office/drawing/2010/main" val="0"/>
+              </a:ext>
+              <a:ext uri="{96DAC541-7B7A-43D3-8B79-37D633B846F1}">
+                <asvg:svgBlip xmlns:asvg="http://schemas.microsoft.com/office/drawing/2016/SVG/main" r:embed="rId19"/>
+              </a:ext>
+            </a:extLst>
+          </a:blip>
+          <a:stretch>
+            <a:fillRect/>
+          </a:stretch>
+        </p:blipFill>
+        <p:spPr>
+          <a:xfrm flipH="1">
+            <a:off x="4475104" y="1646149"/>
+            <a:ext cx="307157" cy="307157"/>
+          </a:xfrm>
+          <a:prstGeom prst="rect">
+            <a:avLst/>
+          </a:prstGeom>
+        </p:spPr>
+      </p:pic>
+      <p:sp>
+        <p:nvSpPr>
+          <p:cNvPr id="67" name="TextBox 66">
+            <a:extLst>
+              <a:ext uri="{FF2B5EF4-FFF2-40B4-BE49-F238E27FC236}">
+                <a16:creationId xmlns:a16="http://schemas.microsoft.com/office/drawing/2014/main" id="{4CAAB5A2-2C94-2F4B-3AD7-57362C5F9C5B}"/>
               </a:ext>
             </a:extLst>
           </p:cNvPr>
@@ -16155,51 +17150,12 @@
           </a:p>
         </p:txBody>
       </p:sp>
-      <p:pic>
-        <p:nvPicPr>
-          <p:cNvPr id="96" name="Graphic 95" descr="User">
-            <a:extLst>
-              <a:ext uri="{FF2B5EF4-FFF2-40B4-BE49-F238E27FC236}">
-                <a16:creationId xmlns:a16="http://schemas.microsoft.com/office/drawing/2014/main" id="{8D4671ED-F017-5ABB-A1ED-4F41ACA80094}"/>
-              </a:ext>
-            </a:extLst>
-          </p:cNvPr>
-          <p:cNvPicPr>
-            <a:picLocks noChangeAspect="1"/>
-          </p:cNvPicPr>
-          <p:nvPr/>
-        </p:nvPicPr>
-        <p:blipFill>
-          <a:blip r:embed="rId11">
-            <a:extLst>
-              <a:ext uri="{28A0092B-C50C-407E-A947-70E740481C1C}">
-                <a14:useLocalDpi xmlns:a14="http://schemas.microsoft.com/office/drawing/2010/main" val="0"/>
-              </a:ext>
-              <a:ext uri="{96DAC541-7B7A-43D3-8B79-37D633B846F1}">
-                <asvg:svgBlip xmlns:asvg="http://schemas.microsoft.com/office/drawing/2016/SVG/main" r:embed="rId12"/>
-              </a:ext>
-            </a:extLst>
-          </a:blip>
-          <a:stretch>
-            <a:fillRect/>
-          </a:stretch>
-        </p:blipFill>
-        <p:spPr>
-          <a:xfrm>
-            <a:off x="11022666" y="776994"/>
-            <a:ext cx="309288" cy="308994"/>
-          </a:xfrm>
-          <a:prstGeom prst="rect">
-            <a:avLst/>
-          </a:prstGeom>
-        </p:spPr>
-      </p:pic>
       <p:sp>
         <p:nvSpPr>
-          <p:cNvPr id="72" name="TextBox 71">
-            <a:extLst>
-              <a:ext uri="{FF2B5EF4-FFF2-40B4-BE49-F238E27FC236}">
-                <a16:creationId xmlns:a16="http://schemas.microsoft.com/office/drawing/2014/main" id="{3896AE3F-8D18-B836-B963-574890E793E2}"/>
+          <p:cNvPr id="74" name="TextBox 73">
+            <a:extLst>
+              <a:ext uri="{FF2B5EF4-FFF2-40B4-BE49-F238E27FC236}">
+                <a16:creationId xmlns:a16="http://schemas.microsoft.com/office/drawing/2014/main" id="{9AA02DB0-7F34-D5C4-C7A6-1EA6E286C48C}"/>
               </a:ext>
             </a:extLst>
           </p:cNvPr>
@@ -16250,542 +17206,10 @@
           </a:p>
         </p:txBody>
       </p:sp>
-      <p:pic>
-        <p:nvPicPr>
-          <p:cNvPr id="4" name="Graphic 3" descr="Ringer">
-            <a:extLst>
-              <a:ext uri="{FF2B5EF4-FFF2-40B4-BE49-F238E27FC236}">
-                <a16:creationId xmlns:a16="http://schemas.microsoft.com/office/drawing/2014/main" id="{4AB95472-982F-6184-5023-D128D0344C02}"/>
-              </a:ext>
-            </a:extLst>
-          </p:cNvPr>
-          <p:cNvPicPr>
-            <a:picLocks noChangeAspect="1"/>
-          </p:cNvPicPr>
-          <p:nvPr/>
-        </p:nvPicPr>
-        <p:blipFill>
-          <a:blip r:embed="rId13">
-            <a:extLst>
-              <a:ext uri="{28A0092B-C50C-407E-A947-70E740481C1C}">
-                <a14:useLocalDpi xmlns:a14="http://schemas.microsoft.com/office/drawing/2010/main" val="0"/>
-              </a:ext>
-              <a:ext uri="{96DAC541-7B7A-43D3-8B79-37D633B846F1}">
-                <asvg:svgBlip xmlns:asvg="http://schemas.microsoft.com/office/drawing/2016/SVG/main" r:embed="rId14"/>
-              </a:ext>
-            </a:extLst>
-          </a:blip>
-          <a:stretch>
-            <a:fillRect/>
-          </a:stretch>
-        </p:blipFill>
-        <p:spPr>
-          <a:xfrm>
-            <a:off x="10626136" y="779287"/>
-            <a:ext cx="309288" cy="309288"/>
-          </a:xfrm>
-          <a:prstGeom prst="rect">
-            <a:avLst/>
-          </a:prstGeom>
-        </p:spPr>
-      </p:pic>
-      <p:pic>
-        <p:nvPicPr>
-          <p:cNvPr id="6" name="Picture 5">
-            <a:extLst>
-              <a:ext uri="{FF2B5EF4-FFF2-40B4-BE49-F238E27FC236}">
-                <a16:creationId xmlns:a16="http://schemas.microsoft.com/office/drawing/2014/main" id="{50CEB0FB-36C3-F649-A150-BBEEC2510E52}"/>
-              </a:ext>
-            </a:extLst>
-          </p:cNvPr>
-          <p:cNvPicPr>
-            <a:picLocks noChangeAspect="1"/>
-          </p:cNvPicPr>
-          <p:nvPr/>
-        </p:nvPicPr>
-        <p:blipFill>
-          <a:blip r:embed="rId15">
-            <a:extLst>
-              <a:ext uri="{28A0092B-C50C-407E-A947-70E740481C1C}">
-                <a14:useLocalDpi xmlns:a14="http://schemas.microsoft.com/office/drawing/2010/main" val="0"/>
-              </a:ext>
-            </a:extLst>
-          </a:blip>
-          <a:srcRect/>
-          <a:stretch/>
-        </p:blipFill>
-        <p:spPr>
-          <a:xfrm>
-            <a:off x="78315" y="1259229"/>
-            <a:ext cx="12000206" cy="5524841"/>
-          </a:xfrm>
-          <a:prstGeom prst="rect">
-            <a:avLst/>
-          </a:prstGeom>
-        </p:spPr>
-      </p:pic>
-      <p:cxnSp>
-        <p:nvCxnSpPr>
-          <p:cNvPr id="23" name="Straight Connector 22">
-            <a:extLst>
-              <a:ext uri="{FF2B5EF4-FFF2-40B4-BE49-F238E27FC236}">
-                <a16:creationId xmlns:a16="http://schemas.microsoft.com/office/drawing/2014/main" id="{26EE522D-F16F-0864-D92E-52A624487827}"/>
-              </a:ext>
-            </a:extLst>
-          </p:cNvPr>
-          <p:cNvCxnSpPr>
-            <a:cxnSpLocks/>
-          </p:cNvCxnSpPr>
-          <p:nvPr/>
-        </p:nvCxnSpPr>
-        <p:spPr>
-          <a:xfrm>
-            <a:off x="1771650" y="1259229"/>
-            <a:ext cx="0" cy="5519697"/>
-          </a:xfrm>
-          <a:prstGeom prst="line">
-            <a:avLst/>
-          </a:prstGeom>
-        </p:spPr>
-        <p:style>
-          <a:lnRef idx="1">
-            <a:schemeClr val="accent3"/>
-          </a:lnRef>
-          <a:fillRef idx="0">
-            <a:schemeClr val="accent3"/>
-          </a:fillRef>
-          <a:effectRef idx="0">
-            <a:schemeClr val="accent3"/>
-          </a:effectRef>
-          <a:fontRef idx="minor">
-            <a:schemeClr val="tx1"/>
-          </a:fontRef>
-        </p:style>
-      </p:cxnSp>
-      <p:sp>
-        <p:nvSpPr>
-          <p:cNvPr id="83" name="TextBox 82">
-            <a:extLst>
-              <a:ext uri="{FF2B5EF4-FFF2-40B4-BE49-F238E27FC236}">
-                <a16:creationId xmlns:a16="http://schemas.microsoft.com/office/drawing/2014/main" id="{B1B2AAE7-AD1F-DD7A-F7C2-77F35E2776D4}"/>
-              </a:ext>
-            </a:extLst>
-          </p:cNvPr>
-          <p:cNvSpPr txBox="1"/>
-          <p:nvPr/>
-        </p:nvSpPr>
-        <p:spPr>
-          <a:xfrm>
-            <a:off x="608352" y="6284761"/>
-            <a:ext cx="979755" cy="369332"/>
-          </a:xfrm>
-          <a:prstGeom prst="rect">
-            <a:avLst/>
-          </a:prstGeom>
-          <a:noFill/>
-        </p:spPr>
-        <p:txBody>
-          <a:bodyPr wrap="none" rtlCol="0">
-            <a:spAutoFit/>
-          </a:bodyPr>
-          <a:lstStyle/>
-          <a:p>
-            <a:r>
-              <a:rPr lang="en-US" dirty="0">
-                <a:latin typeface="Adobe Hebrew" panose="02040503050201020203" pitchFamily="18" charset="-79"/>
-                <a:ea typeface="Adobe Gothic Std B" panose="020B0800000000000000" pitchFamily="34" charset="-128"/>
-                <a:cs typeface="Adobe Hebrew" panose="02040503050201020203" pitchFamily="18" charset="-79"/>
-              </a:rPr>
-              <a:t>Log Out</a:t>
-            </a:r>
-            <a:endParaRPr lang="en-PH" dirty="0">
-              <a:latin typeface="Adobe Hebrew" panose="02040503050201020203" pitchFamily="18" charset="-79"/>
-              <a:ea typeface="Adobe Gothic Std B" panose="020B0800000000000000" pitchFamily="34" charset="-128"/>
-              <a:cs typeface="Adobe Hebrew" panose="02040503050201020203" pitchFamily="18" charset="-79"/>
-            </a:endParaRPr>
-          </a:p>
-        </p:txBody>
-      </p:sp>
-      <p:pic>
-        <p:nvPicPr>
-          <p:cNvPr id="32" name="Graphic 31" descr="Power">
-            <a:extLst>
-              <a:ext uri="{FF2B5EF4-FFF2-40B4-BE49-F238E27FC236}">
-                <a16:creationId xmlns:a16="http://schemas.microsoft.com/office/drawing/2014/main" id="{5DD65011-9825-699D-74F7-B7B6AA912C43}"/>
-              </a:ext>
-            </a:extLst>
-          </p:cNvPr>
-          <p:cNvPicPr>
-            <a:picLocks noChangeAspect="1"/>
-          </p:cNvPicPr>
-          <p:nvPr/>
-        </p:nvPicPr>
-        <p:blipFill>
-          <a:blip r:embed="rId16">
-            <a:extLst>
-              <a:ext uri="{28A0092B-C50C-407E-A947-70E740481C1C}">
-                <a14:useLocalDpi xmlns:a14="http://schemas.microsoft.com/office/drawing/2010/main" val="0"/>
-              </a:ext>
-              <a:ext uri="{96DAC541-7B7A-43D3-8B79-37D633B846F1}">
-                <asvg:svgBlip xmlns:asvg="http://schemas.microsoft.com/office/drawing/2016/SVG/main" r:embed="rId17"/>
-              </a:ext>
-            </a:extLst>
-          </a:blip>
-          <a:stretch>
-            <a:fillRect/>
-          </a:stretch>
-        </p:blipFill>
-        <p:spPr>
-          <a:xfrm>
-            <a:off x="292503" y="6287746"/>
-            <a:ext cx="315384" cy="315384"/>
-          </a:xfrm>
-          <a:prstGeom prst="rect">
-            <a:avLst/>
-          </a:prstGeom>
-        </p:spPr>
-      </p:pic>
-      <p:sp>
-        <p:nvSpPr>
-          <p:cNvPr id="33" name="Rectangle 32">
-            <a:extLst>
-              <a:ext uri="{FF2B5EF4-FFF2-40B4-BE49-F238E27FC236}">
-                <a16:creationId xmlns:a16="http://schemas.microsoft.com/office/drawing/2014/main" id="{70C90CBC-F9C7-1BB0-313D-65748FB2104A}"/>
-              </a:ext>
-            </a:extLst>
-          </p:cNvPr>
-          <p:cNvSpPr/>
-          <p:nvPr/>
-        </p:nvSpPr>
-        <p:spPr>
-          <a:xfrm>
-            <a:off x="78315" y="2020097"/>
-            <a:ext cx="1693247" cy="524447"/>
-          </a:xfrm>
-          <a:prstGeom prst="rect">
-            <a:avLst/>
-          </a:prstGeom>
-          <a:noFill/>
-          <a:ln>
-            <a:solidFill>
-              <a:schemeClr val="bg2">
-                <a:lumMod val="75000"/>
-              </a:schemeClr>
-            </a:solidFill>
-          </a:ln>
-        </p:spPr>
-        <p:style>
-          <a:lnRef idx="2">
-            <a:schemeClr val="accent5">
-              <a:shade val="50000"/>
-            </a:schemeClr>
-          </a:lnRef>
-          <a:fillRef idx="1">
-            <a:schemeClr val="accent5"/>
-          </a:fillRef>
-          <a:effectRef idx="0">
-            <a:schemeClr val="accent5"/>
-          </a:effectRef>
-          <a:fontRef idx="minor">
-            <a:schemeClr val="lt1"/>
-          </a:fontRef>
-        </p:style>
-        <p:txBody>
-          <a:bodyPr rtlCol="0" anchor="ctr"/>
-          <a:lstStyle/>
-          <a:p>
-            <a:pPr algn="ctr"/>
-            <a:endParaRPr lang="en-PH"/>
-          </a:p>
-        </p:txBody>
-      </p:sp>
-      <p:sp>
-        <p:nvSpPr>
-          <p:cNvPr id="85" name="Rectangle 84">
-            <a:extLst>
-              <a:ext uri="{FF2B5EF4-FFF2-40B4-BE49-F238E27FC236}">
-                <a16:creationId xmlns:a16="http://schemas.microsoft.com/office/drawing/2014/main" id="{B1257531-8287-AA46-D21E-7BA9B1573ED4}"/>
-              </a:ext>
-            </a:extLst>
-          </p:cNvPr>
-          <p:cNvSpPr/>
-          <p:nvPr/>
-        </p:nvSpPr>
-        <p:spPr>
-          <a:xfrm>
-            <a:off x="78227" y="2653480"/>
-            <a:ext cx="1693248" cy="524447"/>
-          </a:xfrm>
-          <a:prstGeom prst="rect">
-            <a:avLst/>
-          </a:prstGeom>
-          <a:noFill/>
-          <a:ln>
-            <a:solidFill>
-              <a:schemeClr val="bg2">
-                <a:lumMod val="75000"/>
-              </a:schemeClr>
-            </a:solidFill>
-          </a:ln>
-        </p:spPr>
-        <p:style>
-          <a:lnRef idx="2">
-            <a:schemeClr val="accent5">
-              <a:shade val="50000"/>
-            </a:schemeClr>
-          </a:lnRef>
-          <a:fillRef idx="1">
-            <a:schemeClr val="accent5"/>
-          </a:fillRef>
-          <a:effectRef idx="0">
-            <a:schemeClr val="accent5"/>
-          </a:effectRef>
-          <a:fontRef idx="minor">
-            <a:schemeClr val="lt1"/>
-          </a:fontRef>
-        </p:style>
-        <p:txBody>
-          <a:bodyPr rtlCol="0" anchor="ctr"/>
-          <a:lstStyle/>
-          <a:p>
-            <a:pPr algn="ctr"/>
-            <a:endParaRPr lang="en-PH"/>
-          </a:p>
-        </p:txBody>
-      </p:sp>
-      <p:sp>
-        <p:nvSpPr>
-          <p:cNvPr id="80" name="TextBox 79">
-            <a:extLst>
-              <a:ext uri="{FF2B5EF4-FFF2-40B4-BE49-F238E27FC236}">
-                <a16:creationId xmlns:a16="http://schemas.microsoft.com/office/drawing/2014/main" id="{C91DD33F-6652-F4B5-66A0-293241585688}"/>
-              </a:ext>
-            </a:extLst>
-          </p:cNvPr>
-          <p:cNvSpPr txBox="1"/>
-          <p:nvPr/>
-        </p:nvSpPr>
-        <p:spPr>
-          <a:xfrm>
-            <a:off x="78227" y="2097990"/>
-            <a:ext cx="1633781" cy="369332"/>
-          </a:xfrm>
-          <a:prstGeom prst="rect">
-            <a:avLst/>
-          </a:prstGeom>
-          <a:noFill/>
-        </p:spPr>
-        <p:txBody>
-          <a:bodyPr wrap="none" rtlCol="0">
-            <a:spAutoFit/>
-          </a:bodyPr>
-          <a:lstStyle/>
-          <a:p>
-            <a:r>
-              <a:rPr lang="en-US" dirty="0">
-                <a:latin typeface="Adobe Gothic Std B" panose="020B0800000000000000" pitchFamily="34" charset="-128"/>
-                <a:ea typeface="Adobe Gothic Std B" panose="020B0800000000000000" pitchFamily="34" charset="-128"/>
-              </a:rPr>
-              <a:t>View Patients</a:t>
-            </a:r>
-            <a:endParaRPr lang="en-PH" dirty="0">
-              <a:latin typeface="Adobe Gothic Std B" panose="020B0800000000000000" pitchFamily="34" charset="-128"/>
-              <a:ea typeface="Adobe Gothic Std B" panose="020B0800000000000000" pitchFamily="34" charset="-128"/>
-            </a:endParaRPr>
-          </a:p>
-        </p:txBody>
-      </p:sp>
-      <p:sp>
-        <p:nvSpPr>
-          <p:cNvPr id="82" name="TextBox 81">
-            <a:extLst>
-              <a:ext uri="{FF2B5EF4-FFF2-40B4-BE49-F238E27FC236}">
-                <a16:creationId xmlns:a16="http://schemas.microsoft.com/office/drawing/2014/main" id="{7E02B501-8F44-E83D-4E22-B5C0EB0E5418}"/>
-              </a:ext>
-            </a:extLst>
-          </p:cNvPr>
-          <p:cNvSpPr txBox="1"/>
-          <p:nvPr/>
-        </p:nvSpPr>
-        <p:spPr>
-          <a:xfrm>
-            <a:off x="147857" y="2736541"/>
-            <a:ext cx="1502334" cy="369332"/>
-          </a:xfrm>
-          <a:prstGeom prst="rect">
-            <a:avLst/>
-          </a:prstGeom>
-          <a:noFill/>
-        </p:spPr>
-        <p:txBody>
-          <a:bodyPr wrap="none" rtlCol="0">
-            <a:spAutoFit/>
-          </a:bodyPr>
-          <a:lstStyle/>
-          <a:p>
-            <a:r>
-              <a:rPr lang="en-US" dirty="0">
-                <a:latin typeface="Adobe Gothic Std B" panose="020B0800000000000000" pitchFamily="34" charset="-128"/>
-                <a:ea typeface="Adobe Gothic Std B" panose="020B0800000000000000" pitchFamily="34" charset="-128"/>
-              </a:rPr>
-              <a:t>Certification</a:t>
-            </a:r>
-            <a:endParaRPr lang="en-PH" dirty="0">
-              <a:latin typeface="Adobe Gothic Std B" panose="020B0800000000000000" pitchFamily="34" charset="-128"/>
-              <a:ea typeface="Adobe Gothic Std B" panose="020B0800000000000000" pitchFamily="34" charset="-128"/>
-            </a:endParaRPr>
-          </a:p>
-        </p:txBody>
-      </p:sp>
-      <p:sp>
-        <p:nvSpPr>
-          <p:cNvPr id="89" name="Rectangle 88">
-            <a:extLst>
-              <a:ext uri="{FF2B5EF4-FFF2-40B4-BE49-F238E27FC236}">
-                <a16:creationId xmlns:a16="http://schemas.microsoft.com/office/drawing/2014/main" id="{97FBE3C1-034A-9C5F-2CE8-79C3E92AA614}"/>
-              </a:ext>
-            </a:extLst>
-          </p:cNvPr>
-          <p:cNvSpPr/>
-          <p:nvPr/>
-        </p:nvSpPr>
-        <p:spPr>
-          <a:xfrm>
-            <a:off x="78227" y="6173343"/>
-            <a:ext cx="1693247" cy="524447"/>
-          </a:xfrm>
-          <a:prstGeom prst="rect">
-            <a:avLst/>
-          </a:prstGeom>
-          <a:noFill/>
-          <a:ln>
-            <a:solidFill>
-              <a:schemeClr val="bg2">
-                <a:lumMod val="75000"/>
-              </a:schemeClr>
-            </a:solidFill>
-          </a:ln>
-        </p:spPr>
-        <p:style>
-          <a:lnRef idx="2">
-            <a:schemeClr val="accent5">
-              <a:shade val="50000"/>
-            </a:schemeClr>
-          </a:lnRef>
-          <a:fillRef idx="1">
-            <a:schemeClr val="accent5"/>
-          </a:fillRef>
-          <a:effectRef idx="0">
-            <a:schemeClr val="accent5"/>
-          </a:effectRef>
-          <a:fontRef idx="minor">
-            <a:schemeClr val="lt1"/>
-          </a:fontRef>
-        </p:style>
-        <p:txBody>
-          <a:bodyPr rtlCol="0" anchor="ctr"/>
-          <a:lstStyle/>
-          <a:p>
-            <a:pPr algn="ctr"/>
-            <a:endParaRPr lang="en-PH"/>
-          </a:p>
-        </p:txBody>
-      </p:sp>
-      <p:sp>
-        <p:nvSpPr>
-          <p:cNvPr id="98" name="Rectangle 97">
-            <a:extLst>
-              <a:ext uri="{FF2B5EF4-FFF2-40B4-BE49-F238E27FC236}">
-                <a16:creationId xmlns:a16="http://schemas.microsoft.com/office/drawing/2014/main" id="{4A776F10-BACA-1ABD-DA26-619EB021DDC3}"/>
-              </a:ext>
-            </a:extLst>
-          </p:cNvPr>
-          <p:cNvSpPr/>
-          <p:nvPr/>
-        </p:nvSpPr>
-        <p:spPr>
-          <a:xfrm>
-            <a:off x="78227" y="1340870"/>
-            <a:ext cx="1693247" cy="524447"/>
-          </a:xfrm>
-          <a:prstGeom prst="rect">
-            <a:avLst/>
-          </a:prstGeom>
-          <a:solidFill>
-            <a:srgbClr val="01ADF0"/>
-          </a:solidFill>
-        </p:spPr>
-        <p:style>
-          <a:lnRef idx="2">
-            <a:schemeClr val="accent5">
-              <a:shade val="50000"/>
-            </a:schemeClr>
-          </a:lnRef>
-          <a:fillRef idx="1">
-            <a:schemeClr val="accent5"/>
-          </a:fillRef>
-          <a:effectRef idx="0">
-            <a:schemeClr val="accent5"/>
-          </a:effectRef>
-          <a:fontRef idx="minor">
-            <a:schemeClr val="lt1"/>
-          </a:fontRef>
-        </p:style>
-        <p:txBody>
-          <a:bodyPr rtlCol="0" anchor="ctr"/>
-          <a:lstStyle/>
-          <a:p>
-            <a:pPr algn="ctr"/>
-            <a:endParaRPr lang="en-PH"/>
-          </a:p>
-        </p:txBody>
-      </p:sp>
-      <p:sp>
-        <p:nvSpPr>
-          <p:cNvPr id="99" name="TextBox 98">
-            <a:extLst>
-              <a:ext uri="{FF2B5EF4-FFF2-40B4-BE49-F238E27FC236}">
-                <a16:creationId xmlns:a16="http://schemas.microsoft.com/office/drawing/2014/main" id="{2AC5A076-993C-13A0-AA0C-6649EDB941BD}"/>
-              </a:ext>
-            </a:extLst>
-          </p:cNvPr>
-          <p:cNvSpPr txBox="1"/>
-          <p:nvPr/>
-        </p:nvSpPr>
-        <p:spPr>
-          <a:xfrm>
-            <a:off x="510738" y="1441350"/>
-            <a:ext cx="819455" cy="369332"/>
-          </a:xfrm>
-          <a:prstGeom prst="rect">
-            <a:avLst/>
-          </a:prstGeom>
-          <a:noFill/>
-        </p:spPr>
-        <p:txBody>
-          <a:bodyPr wrap="none" rtlCol="0">
-            <a:spAutoFit/>
-          </a:bodyPr>
-          <a:lstStyle/>
-          <a:p>
-            <a:r>
-              <a:rPr lang="en-US" dirty="0">
-                <a:latin typeface="Adobe Gothic Std B" panose="020B0800000000000000" pitchFamily="34" charset="-128"/>
-                <a:ea typeface="Adobe Gothic Std B" panose="020B0800000000000000" pitchFamily="34" charset="-128"/>
-              </a:rPr>
-              <a:t>Home</a:t>
-            </a:r>
-            <a:endParaRPr lang="en-PH" dirty="0">
-              <a:latin typeface="Adobe Gothic Std B" panose="020B0800000000000000" pitchFamily="34" charset="-128"/>
-              <a:ea typeface="Adobe Gothic Std B" panose="020B0800000000000000" pitchFamily="34" charset="-128"/>
-            </a:endParaRPr>
-          </a:p>
-        </p:txBody>
-      </p:sp>
     </p:spTree>
     <p:extLst>
       <p:ext uri="{BB962C8B-B14F-4D97-AF65-F5344CB8AC3E}">
-        <p14:creationId xmlns:p14="http://schemas.microsoft.com/office/powerpoint/2010/main" val="3002716800"/>
+        <p14:creationId xmlns:p14="http://schemas.microsoft.com/office/powerpoint/2010/main" val="2683006820"/>
       </p:ext>
     </p:extLst>
   </p:cSld>
@@ -17126,7 +17550,29 @@
 </Control>
 </file>
 
+<file path=customXml/item7.xml><?xml version="1.0" encoding="utf-8"?>
+<Control xmlns="http://schemas.microsoft.com/VisualStudio/2011/storyboarding/control">
+  <Id Name="System.Storyboarding.Backgrounds.WebBrowser" Revision="1" Stencil="System.Storyboarding.Backgrounds" StencilVersion="0.1"/>
+</Control>
+</file>
+
 <file path=customXml/itemProps1.xml><?xml version="1.0" encoding="utf-8"?>
+<ds:datastoreItem xmlns:ds="http://schemas.openxmlformats.org/officeDocument/2006/customXml" ds:itemID="{DABCA65A-0356-43C8-976D-AE20842E2619}">
+  <ds:schemaRefs>
+    <ds:schemaRef ds:uri="http://schemas.microsoft.com/VisualStudio/2011/storyboarding/control"/>
+  </ds:schemaRefs>
+</ds:datastoreItem>
+</file>
+
+<file path=customXml/itemProps2.xml><?xml version="1.0" encoding="utf-8"?>
+<ds:datastoreItem xmlns:ds="http://schemas.openxmlformats.org/officeDocument/2006/customXml" ds:itemID="{572094FB-8412-4C4B-B8C5-713D39D23D4F}">
+  <ds:schemaRefs>
+    <ds:schemaRef ds:uri="http://schemas.microsoft.com/VisualStudio/2011/storyboarding/control"/>
+  </ds:schemaRefs>
+</ds:datastoreItem>
+</file>
+
+<file path=customXml/itemProps3.xml><?xml version="1.0" encoding="utf-8"?>
 <ds:datastoreItem xmlns:ds="http://schemas.openxmlformats.org/officeDocument/2006/customXml" ds:itemID="{4FCF7891-F40B-405F-8486-B69C0A650CF1}">
   <ds:schemaRefs>
     <ds:schemaRef ds:uri="http://schemas.microsoft.com/VisualStudio/2011/storyboarding/control"/>
@@ -17134,7 +17580,7 @@
 </ds:datastoreItem>
 </file>
 
-<file path=customXml/itemProps2.xml><?xml version="1.0" encoding="utf-8"?>
+<file path=customXml/itemProps4.xml><?xml version="1.0" encoding="utf-8"?>
 <ds:datastoreItem xmlns:ds="http://schemas.openxmlformats.org/officeDocument/2006/customXml" ds:itemID="{6089A32A-2D71-4552-87B0-2AFD9DBE33B9}">
   <ds:schemaRefs>
     <ds:schemaRef ds:uri="http://schemas.microsoft.com/VisualStudio/2011/storyboarding/control"/>
@@ -17142,7 +17588,7 @@
 </ds:datastoreItem>
 </file>
 
-<file path=customXml/itemProps3.xml><?xml version="1.0" encoding="utf-8"?>
+<file path=customXml/itemProps5.xml><?xml version="1.0" encoding="utf-8"?>
 <ds:datastoreItem xmlns:ds="http://schemas.openxmlformats.org/officeDocument/2006/customXml" ds:itemID="{A4160963-0F99-4442-95A1-21443D501E86}">
   <ds:schemaRefs>
     <ds:schemaRef ds:uri="http://schemas.microsoft.com/VisualStudio/2011/storyboarding/control"/>
@@ -17150,7 +17596,7 @@
 </ds:datastoreItem>
 </file>
 
-<file path=customXml/itemProps4.xml><?xml version="1.0" encoding="utf-8"?>
+<file path=customXml/itemProps6.xml><?xml version="1.0" encoding="utf-8"?>
 <ds:datastoreItem xmlns:ds="http://schemas.openxmlformats.org/officeDocument/2006/customXml" ds:itemID="{3767892B-D134-4A49-9F5C-9794913330CB}">
   <ds:schemaRefs>
     <ds:schemaRef ds:uri="http://schemas.microsoft.com/VisualStudio/2011/storyboarding/control"/>
@@ -17158,16 +17604,8 @@
 </ds:datastoreItem>
 </file>
 
-<file path=customXml/itemProps5.xml><?xml version="1.0" encoding="utf-8"?>
-<ds:datastoreItem xmlns:ds="http://schemas.openxmlformats.org/officeDocument/2006/customXml" ds:itemID="{DABCA65A-0356-43C8-976D-AE20842E2619}">
-  <ds:schemaRefs>
-    <ds:schemaRef ds:uri="http://schemas.microsoft.com/VisualStudio/2011/storyboarding/control"/>
-  </ds:schemaRefs>
-</ds:datastoreItem>
-</file>
-
-<file path=customXml/itemProps6.xml><?xml version="1.0" encoding="utf-8"?>
-<ds:datastoreItem xmlns:ds="http://schemas.openxmlformats.org/officeDocument/2006/customXml" ds:itemID="{572094FB-8412-4C4B-B8C5-713D39D23D4F}">
+<file path=customXml/itemProps7.xml><?xml version="1.0" encoding="utf-8"?>
+<ds:datastoreItem xmlns:ds="http://schemas.openxmlformats.org/officeDocument/2006/customXml" ds:itemID="{46F082A2-5321-4868-BC0E-C1DA302E9043}">
   <ds:schemaRefs>
     <ds:schemaRef ds:uri="http://schemas.microsoft.com/VisualStudio/2011/storyboarding/control"/>
   </ds:schemaRefs>
